--- a/Slide_Presentation.pptx
+++ b/Slide_Presentation.pptx
@@ -1108,7 +1108,7 @@
       </p:grpSpPr>
       <p:sp>
         <p:nvSpPr>
-          <p:cNvPr id="173" name="Google Shape;173;g19a8703a102_0_59:notes"/>
+          <p:cNvPr id="173" name="Google Shape;173;g19a8703a102_0_43:notes"/>
           <p:cNvSpPr/>
           <p:nvPr>
             <p:ph idx="2" type="sldImg"/>
@@ -1143,7 +1143,7 @@
       </p:sp>
       <p:sp>
         <p:nvSpPr>
-          <p:cNvPr id="174" name="Google Shape;174;g19a8703a102_0_59:notes"/>
+          <p:cNvPr id="174" name="Google Shape;174;g19a8703a102_0_43:notes"/>
           <p:cNvSpPr txBox="1"/>
           <p:nvPr>
             <p:ph idx="1" type="body"/>
@@ -1174,7 +1174,48 @@
               <a:buNone/>
             </a:pPr>
             <a:r>
+              <a:rPr lang="en" u="sng">
+                <a:solidFill>
+                  <a:schemeClr val="hlink"/>
+                </a:solidFill>
+                <a:hlinkClick r:id="rId2"/>
+              </a:rPr>
+              <a:t>Better Performance at Lower Occupancy (nvidia.com)</a:t>
+            </a:r>
+            <a:r>
+              <a:rPr lang="en"/>
+              <a:t> &lt;- More threads is not better. Max Occupancy is not the ideal</a:t>
+            </a:r>
+            <a:endParaRPr/>
+          </a:p>
+          <a:p>
+            <a:pPr indent="0" lvl="0" marL="0" rtl="0" algn="l">
+              <a:spcBef>
+                <a:spcPts val="0"/>
+              </a:spcBef>
+              <a:spcAft>
+                <a:spcPts val="0"/>
+              </a:spcAft>
+              <a:buNone/>
+            </a:pPr>
+            <a:r>
               <a:t/>
+            </a:r>
+            <a:endParaRPr/>
+          </a:p>
+          <a:p>
+            <a:pPr indent="0" lvl="0" marL="0" rtl="0" algn="l">
+              <a:spcBef>
+                <a:spcPts val="0"/>
+              </a:spcBef>
+              <a:spcAft>
+                <a:spcPts val="0"/>
+              </a:spcAft>
+              <a:buNone/>
+            </a:pPr>
+            <a:r>
+              <a:rPr lang="en"/>
+              <a:t>Also an idea of parallel work per thread is not explored at all (but improves throughput)</a:t>
             </a:r>
             <a:endParaRPr/>
           </a:p>
@@ -1207,7 +1248,7 @@
       </p:grpSpPr>
       <p:sp>
         <p:nvSpPr>
-          <p:cNvPr id="179" name="Google Shape;179;g19a8703a102_0_43:notes"/>
+          <p:cNvPr id="179" name="Google Shape;179;g1a444cc9ae9_0_0:notes"/>
           <p:cNvSpPr/>
           <p:nvPr>
             <p:ph idx="2" type="sldImg"/>
@@ -1242,7 +1283,7 @@
       </p:sp>
       <p:sp>
         <p:nvSpPr>
-          <p:cNvPr id="180" name="Google Shape;180;g19a8703a102_0_43:notes"/>
+          <p:cNvPr id="180" name="Google Shape;180;g1a444cc9ae9_0_0:notes"/>
           <p:cNvSpPr txBox="1"/>
           <p:nvPr>
             <p:ph idx="1" type="body"/>
@@ -1273,48 +1314,7 @@
               <a:buNone/>
             </a:pPr>
             <a:r>
-              <a:rPr lang="en" u="sng">
-                <a:solidFill>
-                  <a:schemeClr val="hlink"/>
-                </a:solidFill>
-                <a:hlinkClick r:id="rId2"/>
-              </a:rPr>
-              <a:t>Better Performance at Lower Occupancy (nvidia.com)</a:t>
-            </a:r>
-            <a:r>
-              <a:rPr lang="en"/>
-              <a:t> &lt;- More threads is not better. Max Occupancy is not the ideal</a:t>
-            </a:r>
-            <a:endParaRPr/>
-          </a:p>
-          <a:p>
-            <a:pPr indent="0" lvl="0" marL="0" rtl="0" algn="l">
-              <a:spcBef>
-                <a:spcPts val="0"/>
-              </a:spcBef>
-              <a:spcAft>
-                <a:spcPts val="0"/>
-              </a:spcAft>
-              <a:buNone/>
-            </a:pPr>
-            <a:r>
               <a:t/>
-            </a:r>
-            <a:endParaRPr/>
-          </a:p>
-          <a:p>
-            <a:pPr indent="0" lvl="0" marL="0" rtl="0" algn="l">
-              <a:spcBef>
-                <a:spcPts val="0"/>
-              </a:spcBef>
-              <a:spcAft>
-                <a:spcPts val="0"/>
-              </a:spcAft>
-              <a:buNone/>
-            </a:pPr>
-            <a:r>
-              <a:rPr lang="en"/>
-              <a:t>Also an idea of parallel work per thread is not explored at all (but improves throughput)</a:t>
             </a:r>
             <a:endParaRPr/>
           </a:p>
@@ -1994,7 +1994,7 @@
       </p:grpSpPr>
       <p:sp>
         <p:nvSpPr>
-          <p:cNvPr id="129" name="Google Shape;129;g19a8703a102_0_53:notes"/>
+          <p:cNvPr id="129" name="Google Shape;129;g19a8703a102_0_37:notes"/>
           <p:cNvSpPr/>
           <p:nvPr>
             <p:ph idx="2" type="sldImg"/>
@@ -2029,106 +2029,7 @@
       </p:sp>
       <p:sp>
         <p:nvSpPr>
-          <p:cNvPr id="130" name="Google Shape;130;g19a8703a102_0_53:notes"/>
-          <p:cNvSpPr txBox="1"/>
-          <p:nvPr>
-            <p:ph idx="1" type="body"/>
-          </p:nvPr>
-        </p:nvSpPr>
-        <p:spPr>
-          <a:xfrm>
-            <a:off x="685800" y="4343400"/>
-            <a:ext cx="5486400" cy="4114800"/>
-          </a:xfrm>
-          <a:prstGeom prst="rect">
-            <a:avLst/>
-          </a:prstGeom>
-        </p:spPr>
-        <p:txBody>
-          <a:bodyPr anchorCtr="0" anchor="t" bIns="91425" lIns="91425" spcFirstLastPara="1" rIns="91425" wrap="square" tIns="91425">
-            <a:noAutofit/>
-          </a:bodyPr>
-          <a:lstStyle/>
-          <a:p>
-            <a:pPr indent="0" lvl="0" marL="0" rtl="0" algn="l">
-              <a:spcBef>
-                <a:spcPts val="0"/>
-              </a:spcBef>
-              <a:spcAft>
-                <a:spcPts val="0"/>
-              </a:spcAft>
-              <a:buNone/>
-            </a:pPr>
-            <a:r>
-              <a:t/>
-            </a:r>
-            <a:endParaRPr/>
-          </a:p>
-        </p:txBody>
-      </p:sp>
-    </p:spTree>
-  </p:cSld>
-  <p:clrMapOvr>
-    <a:masterClrMapping/>
-  </p:clrMapOvr>
-</p:notes>
-</file>
-
-<file path=ppt/notesSlides/notesSlide8.xml><?xml version="1.0" encoding="utf-8"?>
-<p:notes xmlns:a="http://schemas.openxmlformats.org/drawingml/2006/main" xmlns:r="http://schemas.openxmlformats.org/officeDocument/2006/relationships" xmlns:mc="http://schemas.openxmlformats.org/markup-compatibility/2006" xmlns:mv="urn:schemas-microsoft-com:mac:vml" xmlns:p="http://schemas.openxmlformats.org/presentationml/2006/main" xmlns:c="http://schemas.openxmlformats.org/drawingml/2006/chart" xmlns:dgm="http://schemas.openxmlformats.org/drawingml/2006/diagram" xmlns:o="urn:schemas-microsoft-com:office:office" xmlns:v="urn:schemas-microsoft-com:vml" xmlns:pvml="urn:schemas-microsoft-com:office:powerpoint" xmlns:com="http://schemas.openxmlformats.org/drawingml/2006/compatibility" xmlns:p14="http://schemas.microsoft.com/office/powerpoint/2010/main" xmlns:p15="http://schemas.microsoft.com/office/powerpoint/2012/main" xmlns:ahyp="http://schemas.microsoft.com/office/drawing/2018/hyperlinkcolor" showMasterPhAnim="0" showMasterSp="0">
-  <p:cSld>
-    <p:spTree>
-      <p:nvGrpSpPr>
-        <p:cNvPr id="139" name="Shape 139"/>
-        <p:cNvGrpSpPr/>
-        <p:nvPr/>
-      </p:nvGrpSpPr>
-      <p:grpSpPr>
-        <a:xfrm>
-          <a:off x="0" y="0"/>
-          <a:ext cx="0" cy="0"/>
-          <a:chOff x="0" y="0"/>
-          <a:chExt cx="0" cy="0"/>
-        </a:xfrm>
-      </p:grpSpPr>
-      <p:sp>
-        <p:nvSpPr>
-          <p:cNvPr id="140" name="Google Shape;140;g19a8703a102_0_37:notes"/>
-          <p:cNvSpPr/>
-          <p:nvPr>
-            <p:ph idx="2" type="sldImg"/>
-          </p:nvPr>
-        </p:nvSpPr>
-        <p:spPr>
-          <a:xfrm>
-            <a:off x="381300" y="685800"/>
-            <a:ext cx="6096000" cy="3429000"/>
-          </a:xfrm>
-          <a:custGeom>
-            <a:rect b="b" l="l" r="r" t="t"/>
-            <a:pathLst>
-              <a:path extrusionOk="0" h="120000" w="120000">
-                <a:moveTo>
-                  <a:pt x="0" y="0"/>
-                </a:moveTo>
-                <a:lnTo>
-                  <a:pt x="120000" y="0"/>
-                </a:lnTo>
-                <a:lnTo>
-                  <a:pt x="120000" y="120000"/>
-                </a:lnTo>
-                <a:lnTo>
-                  <a:pt x="0" y="120000"/>
-                </a:lnTo>
-                <a:close/>
-              </a:path>
-            </a:pathLst>
-          </a:custGeom>
-        </p:spPr>
-      </p:sp>
-      <p:sp>
-        <p:nvSpPr>
-          <p:cNvPr id="141" name="Google Shape;141;g19a8703a102_0_37:notes"/>
+          <p:cNvPr id="130" name="Google Shape;130;g19a8703a102_0_37:notes"/>
           <p:cNvSpPr txBox="1"/>
           <p:nvPr>
             <p:ph idx="1" type="body"/>
@@ -2308,12 +2209,12 @@
 </p:notes>
 </file>
 
-<file path=ppt/notesSlides/notesSlide9.xml><?xml version="1.0" encoding="utf-8"?>
+<file path=ppt/notesSlides/notesSlide8.xml><?xml version="1.0" encoding="utf-8"?>
 <p:notes xmlns:a="http://schemas.openxmlformats.org/drawingml/2006/main" xmlns:r="http://schemas.openxmlformats.org/officeDocument/2006/relationships" xmlns:mc="http://schemas.openxmlformats.org/markup-compatibility/2006" xmlns:mv="urn:schemas-microsoft-com:mac:vml" xmlns:p="http://schemas.openxmlformats.org/presentationml/2006/main" xmlns:c="http://schemas.openxmlformats.org/drawingml/2006/chart" xmlns:dgm="http://schemas.openxmlformats.org/drawingml/2006/diagram" xmlns:o="urn:schemas-microsoft-com:office:office" xmlns:v="urn:schemas-microsoft-com:vml" xmlns:pvml="urn:schemas-microsoft-com:office:powerpoint" xmlns:com="http://schemas.openxmlformats.org/drawingml/2006/compatibility" xmlns:p14="http://schemas.microsoft.com/office/powerpoint/2010/main" xmlns:p15="http://schemas.microsoft.com/office/powerpoint/2012/main" xmlns:ahyp="http://schemas.microsoft.com/office/drawing/2018/hyperlinkcolor" showMasterPhAnim="0" showMasterSp="0">
   <p:cSld>
     <p:spTree>
       <p:nvGrpSpPr>
-        <p:cNvPr id="147" name="Shape 147"/>
+        <p:cNvPr id="136" name="Shape 136"/>
         <p:cNvGrpSpPr/>
         <p:nvPr/>
       </p:nvGrpSpPr>
@@ -2327,7 +2228,7 @@
       </p:grpSpPr>
       <p:sp>
         <p:nvSpPr>
-          <p:cNvPr id="148" name="Google Shape;148;g19a8703a102_0_65:notes"/>
+          <p:cNvPr id="137" name="Google Shape;137;g19a8703a102_0_65:notes"/>
           <p:cNvSpPr/>
           <p:nvPr>
             <p:ph idx="2" type="sldImg"/>
@@ -2362,7 +2263,106 @@
       </p:sp>
       <p:sp>
         <p:nvSpPr>
-          <p:cNvPr id="149" name="Google Shape;149;g19a8703a102_0_65:notes"/>
+          <p:cNvPr id="138" name="Google Shape;138;g19a8703a102_0_65:notes"/>
+          <p:cNvSpPr txBox="1"/>
+          <p:nvPr>
+            <p:ph idx="1" type="body"/>
+          </p:nvPr>
+        </p:nvSpPr>
+        <p:spPr>
+          <a:xfrm>
+            <a:off x="685800" y="4343400"/>
+            <a:ext cx="5486400" cy="4114800"/>
+          </a:xfrm>
+          <a:prstGeom prst="rect">
+            <a:avLst/>
+          </a:prstGeom>
+        </p:spPr>
+        <p:txBody>
+          <a:bodyPr anchorCtr="0" anchor="t" bIns="91425" lIns="91425" spcFirstLastPara="1" rIns="91425" wrap="square" tIns="91425">
+            <a:noAutofit/>
+          </a:bodyPr>
+          <a:lstStyle/>
+          <a:p>
+            <a:pPr indent="0" lvl="0" marL="0" rtl="0" algn="l">
+              <a:spcBef>
+                <a:spcPts val="0"/>
+              </a:spcBef>
+              <a:spcAft>
+                <a:spcPts val="0"/>
+              </a:spcAft>
+              <a:buNone/>
+            </a:pPr>
+            <a:r>
+              <a:t/>
+            </a:r>
+            <a:endParaRPr/>
+          </a:p>
+        </p:txBody>
+      </p:sp>
+    </p:spTree>
+  </p:cSld>
+  <p:clrMapOvr>
+    <a:masterClrMapping/>
+  </p:clrMapOvr>
+</p:notes>
+</file>
+
+<file path=ppt/notesSlides/notesSlide9.xml><?xml version="1.0" encoding="utf-8"?>
+<p:notes xmlns:a="http://schemas.openxmlformats.org/drawingml/2006/main" xmlns:r="http://schemas.openxmlformats.org/officeDocument/2006/relationships" xmlns:mc="http://schemas.openxmlformats.org/markup-compatibility/2006" xmlns:mv="urn:schemas-microsoft-com:mac:vml" xmlns:p="http://schemas.openxmlformats.org/presentationml/2006/main" xmlns:c="http://schemas.openxmlformats.org/drawingml/2006/chart" xmlns:dgm="http://schemas.openxmlformats.org/drawingml/2006/diagram" xmlns:o="urn:schemas-microsoft-com:office:office" xmlns:v="urn:schemas-microsoft-com:vml" xmlns:pvml="urn:schemas-microsoft-com:office:powerpoint" xmlns:com="http://schemas.openxmlformats.org/drawingml/2006/compatibility" xmlns:p14="http://schemas.microsoft.com/office/powerpoint/2010/main" xmlns:p15="http://schemas.microsoft.com/office/powerpoint/2012/main" xmlns:ahyp="http://schemas.microsoft.com/office/drawing/2018/hyperlinkcolor" showMasterPhAnim="0" showMasterSp="0">
+  <p:cSld>
+    <p:spTree>
+      <p:nvGrpSpPr>
+        <p:cNvPr id="145" name="Shape 145"/>
+        <p:cNvGrpSpPr/>
+        <p:nvPr/>
+      </p:nvGrpSpPr>
+      <p:grpSpPr>
+        <a:xfrm>
+          <a:off x="0" y="0"/>
+          <a:ext cx="0" cy="0"/>
+          <a:chOff x="0" y="0"/>
+          <a:chExt cx="0" cy="0"/>
+        </a:xfrm>
+      </p:grpSpPr>
+      <p:sp>
+        <p:nvSpPr>
+          <p:cNvPr id="146" name="Google Shape;146;g19a8703a102_0_53:notes"/>
+          <p:cNvSpPr/>
+          <p:nvPr>
+            <p:ph idx="2" type="sldImg"/>
+          </p:nvPr>
+        </p:nvSpPr>
+        <p:spPr>
+          <a:xfrm>
+            <a:off x="381300" y="685800"/>
+            <a:ext cx="6096000" cy="3429000"/>
+          </a:xfrm>
+          <a:custGeom>
+            <a:rect b="b" l="l" r="r" t="t"/>
+            <a:pathLst>
+              <a:path extrusionOk="0" h="120000" w="120000">
+                <a:moveTo>
+                  <a:pt x="0" y="0"/>
+                </a:moveTo>
+                <a:lnTo>
+                  <a:pt x="120000" y="0"/>
+                </a:lnTo>
+                <a:lnTo>
+                  <a:pt x="120000" y="120000"/>
+                </a:lnTo>
+                <a:lnTo>
+                  <a:pt x="0" y="120000"/>
+                </a:lnTo>
+                <a:close/>
+              </a:path>
+            </a:pathLst>
+          </a:custGeom>
+        </p:spPr>
+      </p:sp>
+      <p:sp>
+        <p:nvSpPr>
+          <p:cNvPr id="147" name="Google Shape;147;g19a8703a102_0_53:notes"/>
           <p:cNvSpPr txBox="1"/>
           <p:nvPr>
             <p:ph idx="1" type="body"/>
@@ -9320,7 +9320,7 @@
             </a:pPr>
             <a:r>
               <a:rPr lang="en"/>
-              <a:t>Differences with Other Work</a:t>
+              <a:t>Takeaways</a:t>
             </a:r>
             <a:endParaRPr/>
           </a:p>
@@ -9361,7 +9361,11 @@
             </a:pPr>
             <a:r>
               <a:rPr lang="en"/>
-              <a:t>Others : Lowering Kernel Launch by putting almost everything in a single kernel</a:t>
+              <a:t>GPU Parallelizations turn out to be quite bespoke, and even changing a seemingly small part of your algorithm may require a complete </a:t>
+            </a:r>
+            <a:r>
+              <a:rPr lang="en"/>
+              <a:t>overhaul of how you allocated memory, or even how the kernels work.</a:t>
             </a:r>
             <a:endParaRPr/>
           </a:p>
@@ -9378,7 +9382,7 @@
             </a:pPr>
             <a:r>
               <a:rPr lang="en"/>
-              <a:t>Others : Encoding into 32-bit integer to save space and possibly speed up calculations</a:t>
+              <a:t>This was done on NVIDIA CUDA GPUs maximizing their hardware stack. A more general language would lose out on all the particular speed-up  tricks (warps, etc…). Portability between GPUs suffer as well due to different architectures.</a:t>
             </a:r>
             <a:endParaRPr/>
           </a:p>
@@ -9395,100 +9399,7 @@
             </a:pPr>
             <a:r>
               <a:rPr lang="en"/>
-              <a:t>Problem : These do not generalize all that well given various knapsack item lists</a:t>
-            </a:r>
-            <a:endParaRPr/>
-          </a:p>
-          <a:p>
-            <a:pPr indent="-311150" lvl="0" marL="457200" rtl="0" algn="l">
-              <a:spcBef>
-                <a:spcPts val="0"/>
-              </a:spcBef>
-              <a:spcAft>
-                <a:spcPts val="0"/>
-              </a:spcAft>
-              <a:buSzPts val="1300"/>
-              <a:buChar char="-"/>
-            </a:pPr>
-            <a:r>
-              <a:rPr lang="en"/>
-              <a:t>Difference: No-one really penalized incorrect answers like we did </a:t>
-            </a:r>
-            <a:endParaRPr/>
-          </a:p>
-          <a:p>
-            <a:pPr indent="-311150" lvl="0" marL="457200" rtl="0" algn="l">
-              <a:spcBef>
-                <a:spcPts val="0"/>
-              </a:spcBef>
-              <a:spcAft>
-                <a:spcPts val="0"/>
-              </a:spcAft>
-              <a:buSzPts val="1300"/>
-              <a:buChar char="-"/>
-            </a:pPr>
-            <a:r>
-              <a:rPr lang="en"/>
-              <a:t>Others : No leveraging CUDA libraries (other than cuRAND)</a:t>
-            </a:r>
-            <a:endParaRPr/>
-          </a:p>
-          <a:p>
-            <a:pPr indent="-311150" lvl="0" marL="457200" rtl="0" algn="l">
-              <a:spcBef>
-                <a:spcPts val="0"/>
-              </a:spcBef>
-              <a:spcAft>
-                <a:spcPts val="0"/>
-              </a:spcAft>
-              <a:buSzPts val="1300"/>
-              <a:buChar char="-"/>
-            </a:pPr>
-            <a:r>
-              <a:rPr lang="en"/>
-              <a:t>Others: Some </a:t>
-            </a:r>
-            <a:r>
-              <a:rPr lang="en"/>
-              <a:t>further</a:t>
-            </a:r>
-            <a:r>
-              <a:rPr lang="en"/>
-              <a:t> optimizations at the warp level for reduction</a:t>
-            </a:r>
-            <a:endParaRPr/>
-          </a:p>
-          <a:p>
-            <a:pPr indent="-311150" lvl="0" marL="457200" rtl="0" algn="l">
-              <a:spcBef>
-                <a:spcPts val="0"/>
-              </a:spcBef>
-              <a:spcAft>
-                <a:spcPts val="0"/>
-              </a:spcAft>
-              <a:buSzPts val="1300"/>
-              <a:buChar char="-"/>
-            </a:pPr>
-            <a:r>
-              <a:rPr lang="en"/>
-              <a:t>Others: Focus on island model (to cap themselves to block level islands)</a:t>
-            </a:r>
-            <a:endParaRPr/>
-          </a:p>
-          <a:p>
-            <a:pPr indent="-311150" lvl="0" marL="457200" rtl="0" algn="l">
-              <a:spcBef>
-                <a:spcPts val="0"/>
-              </a:spcBef>
-              <a:spcAft>
-                <a:spcPts val="0"/>
-              </a:spcAft>
-              <a:buSzPts val="1300"/>
-              <a:buChar char="-"/>
-            </a:pPr>
-            <a:r>
-              <a:rPr lang="en"/>
-              <a:t>Difference: Focus on generalization, led to master-slave model</a:t>
+              <a:t>For GAs specifically, trade-offs existed in previous papers to ensure faster speed at the cost of simplifying GA operations and possible search power.</a:t>
             </a:r>
             <a:endParaRPr/>
           </a:p>
@@ -9553,7 +9464,7 @@
             </a:pPr>
             <a:r>
               <a:rPr lang="en"/>
-              <a:t>Takeaways</a:t>
+              <a:t>Questions</a:t>
             </a:r>
             <a:endParaRPr/>
           </a:p>
@@ -9590,15 +9501,11 @@
                 <a:spcPts val="0"/>
               </a:spcAft>
               <a:buSzPts val="1300"/>
-              <a:buChar char="-"/>
+              <a:buAutoNum type="arabicPeriod"/>
             </a:pPr>
             <a:r>
               <a:rPr lang="en"/>
-              <a:t>GPU Parallelizations turn out to be quite bespoke, and even changing a seemingly small part of your algorithm may require a complete </a:t>
-            </a:r>
-            <a:r>
-              <a:rPr lang="en"/>
-              <a:t>overhaul of how you allocated memory, or even how the kernels work.</a:t>
+              <a:t>What does APOD stand for?</a:t>
             </a:r>
             <a:endParaRPr/>
           </a:p>
@@ -9611,11 +9518,11 @@
                 <a:spcPts val="0"/>
               </a:spcAft>
               <a:buSzPts val="1300"/>
-              <a:buChar char="-"/>
+              <a:buAutoNum type="arabicPeriod"/>
             </a:pPr>
             <a:r>
               <a:rPr lang="en"/>
-              <a:t>This was done on NVIDIA CUDA GPUs maximizing their hardware stack. A more general language would lose out on all the particular speed-up  tricks (warps, etc…). Portability between GPUs suffer as well due to different architectures.</a:t>
+              <a:t>What does mutation accomplish in a Genetic Algorithm?</a:t>
             </a:r>
             <a:endParaRPr/>
           </a:p>
@@ -9628,11 +9535,11 @@
                 <a:spcPts val="0"/>
               </a:spcAft>
               <a:buSzPts val="1300"/>
-              <a:buChar char="-"/>
+              <a:buAutoNum type="arabicPeriod"/>
             </a:pPr>
             <a:r>
               <a:rPr lang="en"/>
-              <a:t>For GAs specifically, trade-offs existed in previous papers to ensure faster speed at the cost of simplifying GA operations and possible search power.</a:t>
+              <a:t>What did we use reduction for in this project?</a:t>
             </a:r>
             <a:endParaRPr/>
           </a:p>
@@ -10885,7 +10792,119 @@
             </a:pPr>
             <a:r>
               <a:rPr lang="en"/>
-              <a:t>GPU Programming</a:t>
+              <a:t>GPU Solution - First Pass</a:t>
+            </a:r>
+            <a:endParaRPr/>
+          </a:p>
+        </p:txBody>
+      </p:sp>
+      <p:sp>
+        <p:nvSpPr>
+          <p:cNvPr id="133" name="Google Shape;133;p19"/>
+          <p:cNvSpPr txBox="1"/>
+          <p:nvPr>
+            <p:ph idx="1" type="body"/>
+          </p:nvPr>
+        </p:nvSpPr>
+        <p:spPr>
+          <a:xfrm>
+            <a:off x="729450" y="2214550"/>
+            <a:ext cx="3780900" cy="2261100"/>
+          </a:xfrm>
+          <a:prstGeom prst="rect">
+            <a:avLst/>
+          </a:prstGeom>
+        </p:spPr>
+        <p:txBody>
+          <a:bodyPr anchorCtr="0" anchor="t" bIns="91425" lIns="91425" spcFirstLastPara="1" rIns="91425" wrap="square" tIns="91425">
+            <a:normAutofit fontScale="92500" lnSpcReduction="20000"/>
+          </a:bodyPr>
+          <a:lstStyle/>
+          <a:p>
+            <a:pPr indent="0" lvl="0" marL="0" rtl="0" algn="l">
+              <a:spcBef>
+                <a:spcPts val="0"/>
+              </a:spcBef>
+              <a:spcAft>
+                <a:spcPts val="0"/>
+              </a:spcAft>
+              <a:buNone/>
+            </a:pPr>
+            <a:r>
+              <a:rPr lang="en"/>
+              <a:t>rand() is gone! Need to use cuRAND the CUDA way. </a:t>
+            </a:r>
+            <a:endParaRPr/>
+          </a:p>
+          <a:p>
+            <a:pPr indent="0" lvl="0" marL="0" rtl="0" algn="l">
+              <a:spcBef>
+                <a:spcPts val="1200"/>
+              </a:spcBef>
+              <a:spcAft>
+                <a:spcPts val="0"/>
+              </a:spcAft>
+              <a:buNone/>
+            </a:pPr>
+            <a:r>
+              <a:rPr lang="en"/>
+              <a:t>Memory needs to be allocated and managed on both host and device</a:t>
+            </a:r>
+            <a:endParaRPr/>
+          </a:p>
+          <a:p>
+            <a:pPr indent="0" lvl="0" marL="0" rtl="0" algn="l">
+              <a:spcBef>
+                <a:spcPts val="1200"/>
+              </a:spcBef>
+              <a:spcAft>
+                <a:spcPts val="0"/>
+              </a:spcAft>
+              <a:buNone/>
+            </a:pPr>
+            <a:r>
+              <a:rPr lang="en"/>
+              <a:t>Evaluation and Reproduction require calculating totals and dot products (</a:t>
+            </a:r>
+            <a:r>
+              <a:rPr b="1" lang="en"/>
+              <a:t>Reductions</a:t>
+            </a:r>
+            <a:r>
+              <a:rPr lang="en"/>
+              <a:t>). Easy on CPU, Harder on GPU. </a:t>
+            </a:r>
+            <a:endParaRPr/>
+          </a:p>
+          <a:p>
+            <a:pPr indent="0" lvl="0" marL="0" rtl="0" algn="l">
+              <a:spcBef>
+                <a:spcPts val="1200"/>
+              </a:spcBef>
+              <a:spcAft>
+                <a:spcPts val="0"/>
+              </a:spcAft>
+              <a:buNone/>
+            </a:pPr>
+            <a:r>
+              <a:rPr lang="en"/>
+              <a:t>Every remaining function moved to __device__</a:t>
+            </a:r>
+            <a:endParaRPr/>
+          </a:p>
+          <a:p>
+            <a:pPr indent="0" lvl="0" marL="0" rtl="0" algn="l">
+              <a:spcBef>
+                <a:spcPts val="1200"/>
+              </a:spcBef>
+              <a:spcAft>
+                <a:spcPts val="1200"/>
+              </a:spcAft>
+              <a:buNone/>
+            </a:pPr>
+            <a:r>
+              <a:rPr lang="en"/>
+              <a:t>CUDA C/C++ programming</a:t>
             </a:r>
             <a:endParaRPr/>
           </a:p>
@@ -10893,7 +10912,7 @@
       </p:sp>
       <p:pic>
         <p:nvPicPr>
-          <p:cNvPr id="133" name="Google Shape;133;p19"/>
+          <p:cNvPr id="134" name="Google Shape;134;p19"/>
           <p:cNvPicPr preferRelativeResize="0"/>
           <p:nvPr/>
         </p:nvPicPr>
@@ -10907,8 +10926,8 @@
         </p:blipFill>
         <p:spPr>
           <a:xfrm>
-            <a:off x="5980297" y="915125"/>
-            <a:ext cx="2545750" cy="3828176"/>
+            <a:off x="4572000" y="2214550"/>
+            <a:ext cx="3971551" cy="2311544"/>
           </a:xfrm>
           <a:prstGeom prst="rect">
             <a:avLst/>
@@ -10919,9 +10938,247 @@
           </a:ln>
         </p:spPr>
       </p:pic>
+      <p:sp>
+        <p:nvSpPr>
+          <p:cNvPr id="135" name="Google Shape;135;p19"/>
+          <p:cNvSpPr txBox="1"/>
+          <p:nvPr/>
+        </p:nvSpPr>
+        <p:spPr>
+          <a:xfrm>
+            <a:off x="5108625" y="1853850"/>
+            <a:ext cx="2898300" cy="400200"/>
+          </a:xfrm>
+          <a:prstGeom prst="rect">
+            <a:avLst/>
+          </a:prstGeom>
+          <a:noFill/>
+          <a:ln>
+            <a:noFill/>
+          </a:ln>
+        </p:spPr>
+        <p:txBody>
+          <a:bodyPr anchorCtr="0" anchor="t" bIns="91425" lIns="91425" spcFirstLastPara="1" rIns="91425" wrap="square" tIns="91425">
+            <a:spAutoFit/>
+          </a:bodyPr>
+          <a:lstStyle/>
+          <a:p>
+            <a:pPr indent="0" lvl="0" marL="0" rtl="0" algn="ctr">
+              <a:spcBef>
+                <a:spcPts val="0"/>
+              </a:spcBef>
+              <a:spcAft>
+                <a:spcPts val="0"/>
+              </a:spcAft>
+              <a:buNone/>
+            </a:pPr>
+            <a:r>
+              <a:rPr lang="en">
+                <a:latin typeface="Lato"/>
+                <a:ea typeface="Lato"/>
+                <a:cs typeface="Lato"/>
+                <a:sym typeface="Lato"/>
+              </a:rPr>
+              <a:t>Sequential Addressing Reduction </a:t>
+            </a:r>
+            <a:endParaRPr>
+              <a:latin typeface="Lato"/>
+              <a:ea typeface="Lato"/>
+              <a:cs typeface="Lato"/>
+              <a:sym typeface="Lato"/>
+            </a:endParaRPr>
+          </a:p>
+        </p:txBody>
+      </p:sp>
+    </p:spTree>
+  </p:cSld>
+  <p:clrMapOvr>
+    <a:masterClrMapping/>
+  </p:clrMapOvr>
+</p:sld>
+</file>
+
+<file path=ppt/slides/slide8.xml><?xml version="1.0" encoding="utf-8"?>
+<p:sld xmlns:a="http://schemas.openxmlformats.org/drawingml/2006/main" xmlns:r="http://schemas.openxmlformats.org/officeDocument/2006/relationships" xmlns:mc="http://schemas.openxmlformats.org/markup-compatibility/2006" xmlns:mv="urn:schemas-microsoft-com:mac:vml" xmlns:p="http://schemas.openxmlformats.org/presentationml/2006/main" xmlns:c="http://schemas.openxmlformats.org/drawingml/2006/chart" xmlns:dgm="http://schemas.openxmlformats.org/drawingml/2006/diagram" xmlns:o="urn:schemas-microsoft-com:office:office" xmlns:v="urn:schemas-microsoft-com:vml" xmlns:pvml="urn:schemas-microsoft-com:office:powerpoint" xmlns:com="http://schemas.openxmlformats.org/drawingml/2006/compatibility" xmlns:p14="http://schemas.microsoft.com/office/powerpoint/2010/main" xmlns:p15="http://schemas.microsoft.com/office/powerpoint/2012/main" xmlns:ahyp="http://schemas.microsoft.com/office/drawing/2018/hyperlinkcolor">
+  <p:cSld>
+    <p:spTree>
+      <p:nvGrpSpPr>
+        <p:cNvPr id="139" name="Shape 139"/>
+        <p:cNvGrpSpPr/>
+        <p:nvPr/>
+      </p:nvGrpSpPr>
+      <p:grpSpPr>
+        <a:xfrm>
+          <a:off x="0" y="0"/>
+          <a:ext cx="0" cy="0"/>
+          <a:chOff x="0" y="0"/>
+          <a:chExt cx="0" cy="0"/>
+        </a:xfrm>
+      </p:grpSpPr>
+      <p:sp>
+        <p:nvSpPr>
+          <p:cNvPr id="140" name="Google Shape;140;p20"/>
+          <p:cNvSpPr txBox="1"/>
+          <p:nvPr>
+            <p:ph type="title"/>
+          </p:nvPr>
+        </p:nvSpPr>
+        <p:spPr>
+          <a:xfrm>
+            <a:off x="729450" y="1318650"/>
+            <a:ext cx="7688700" cy="535200"/>
+          </a:xfrm>
+          <a:prstGeom prst="rect">
+            <a:avLst/>
+          </a:prstGeom>
+        </p:spPr>
+        <p:txBody>
+          <a:bodyPr anchorCtr="0" anchor="t" bIns="91425" lIns="91425" spcFirstLastPara="1" rIns="91425" wrap="square" tIns="91425">
+            <a:normAutofit fontScale="90000"/>
+          </a:bodyPr>
+          <a:lstStyle/>
+          <a:p>
+            <a:pPr indent="0" lvl="0" marL="0" rtl="0" algn="l">
+              <a:spcBef>
+                <a:spcPts val="0"/>
+              </a:spcBef>
+              <a:spcAft>
+                <a:spcPts val="0"/>
+              </a:spcAft>
+              <a:buNone/>
+            </a:pPr>
+            <a:r>
+              <a:rPr lang="en"/>
+              <a:t>GPU Solution - First Pass - Results</a:t>
+            </a:r>
+            <a:endParaRPr/>
+          </a:p>
+        </p:txBody>
+      </p:sp>
+      <p:sp>
+        <p:nvSpPr>
+          <p:cNvPr id="141" name="Google Shape;141;p20"/>
+          <p:cNvSpPr txBox="1"/>
+          <p:nvPr>
+            <p:ph idx="1" type="body"/>
+          </p:nvPr>
+        </p:nvSpPr>
+        <p:spPr>
+          <a:xfrm>
+            <a:off x="729450" y="1916400"/>
+            <a:ext cx="4294200" cy="384300"/>
+          </a:xfrm>
+          <a:prstGeom prst="rect">
+            <a:avLst/>
+          </a:prstGeom>
+        </p:spPr>
+        <p:txBody>
+          <a:bodyPr anchorCtr="0" anchor="t" bIns="91425" lIns="91425" spcFirstLastPara="1" rIns="91425" wrap="square" tIns="91425">
+            <a:normAutofit fontScale="92500"/>
+          </a:bodyPr>
+          <a:lstStyle/>
+          <a:p>
+            <a:pPr indent="-304958" lvl="0" marL="457200" rtl="0" algn="l">
+              <a:spcBef>
+                <a:spcPts val="0"/>
+              </a:spcBef>
+              <a:spcAft>
+                <a:spcPts val="0"/>
+              </a:spcAft>
+              <a:buSzPct val="100000"/>
+              <a:buChar char="-"/>
+            </a:pPr>
+            <a:r>
+              <a:rPr lang="en"/>
+              <a:t>1st Goal Achieved - CUDA GPU Version runs faster!</a:t>
+            </a:r>
+            <a:endParaRPr/>
+          </a:p>
+        </p:txBody>
+      </p:sp>
       <p:pic>
         <p:nvPicPr>
-          <p:cNvPr id="134" name="Google Shape;134;p19"/>
+          <p:cNvPr id="142" name="Google Shape;142;p20"/>
+          <p:cNvPicPr preferRelativeResize="0"/>
+          <p:nvPr/>
+        </p:nvPicPr>
+        <p:blipFill>
+          <a:blip r:embed="rId3">
+            <a:alphaModFix/>
+          </a:blip>
+          <a:stretch>
+            <a:fillRect/>
+          </a:stretch>
+        </p:blipFill>
+        <p:spPr>
+          <a:xfrm>
+            <a:off x="729450" y="2973000"/>
+            <a:ext cx="4507326" cy="978700"/>
+          </a:xfrm>
+          <a:prstGeom prst="rect">
+            <a:avLst/>
+          </a:prstGeom>
+          <a:noFill/>
+          <a:ln>
+            <a:noFill/>
+          </a:ln>
+        </p:spPr>
+      </p:pic>
+      <p:sp>
+        <p:nvSpPr>
+          <p:cNvPr id="143" name="Google Shape;143;p20"/>
+          <p:cNvSpPr txBox="1"/>
+          <p:nvPr/>
+        </p:nvSpPr>
+        <p:spPr>
+          <a:xfrm>
+            <a:off x="1427400" y="2436750"/>
+            <a:ext cx="2898300" cy="400200"/>
+          </a:xfrm>
+          <a:prstGeom prst="rect">
+            <a:avLst/>
+          </a:prstGeom>
+          <a:noFill/>
+          <a:ln>
+            <a:noFill/>
+          </a:ln>
+        </p:spPr>
+        <p:txBody>
+          <a:bodyPr anchorCtr="0" anchor="t" bIns="91425" lIns="91425" spcFirstLastPara="1" rIns="91425" wrap="square" tIns="91425">
+            <a:spAutoFit/>
+          </a:bodyPr>
+          <a:lstStyle/>
+          <a:p>
+            <a:pPr indent="0" lvl="0" marL="0" rtl="0" algn="ctr">
+              <a:spcBef>
+                <a:spcPts val="0"/>
+              </a:spcBef>
+              <a:spcAft>
+                <a:spcPts val="0"/>
+              </a:spcAft>
+              <a:buNone/>
+            </a:pPr>
+            <a:r>
+              <a:rPr lang="en">
+                <a:latin typeface="Lato"/>
+                <a:ea typeface="Lato"/>
+                <a:cs typeface="Lato"/>
+                <a:sym typeface="Lato"/>
+              </a:rPr>
+              <a:t>CUDA NSYS Profiling</a:t>
+            </a:r>
+            <a:endParaRPr>
+              <a:latin typeface="Lato"/>
+              <a:ea typeface="Lato"/>
+              <a:cs typeface="Lato"/>
+              <a:sym typeface="Lato"/>
+            </a:endParaRPr>
+          </a:p>
+        </p:txBody>
+      </p:sp>
+      <p:pic>
+        <p:nvPicPr>
+          <p:cNvPr id="144" name="Google Shape;144;p20"/>
           <p:cNvPicPr preferRelativeResize="0"/>
           <p:nvPr/>
         </p:nvPicPr>
@@ -10935,8 +11192,101 @@
         </p:blipFill>
         <p:spPr>
           <a:xfrm>
-            <a:off x="2868696" y="2049138"/>
-            <a:ext cx="2932900" cy="2320550"/>
+            <a:off x="5285475" y="1916400"/>
+            <a:ext cx="3676650" cy="2647950"/>
+          </a:xfrm>
+          <a:prstGeom prst="rect">
+            <a:avLst/>
+          </a:prstGeom>
+          <a:noFill/>
+          <a:ln>
+            <a:noFill/>
+          </a:ln>
+        </p:spPr>
+      </p:pic>
+    </p:spTree>
+  </p:cSld>
+  <p:clrMapOvr>
+    <a:masterClrMapping/>
+  </p:clrMapOvr>
+</p:sld>
+</file>
+
+<file path=ppt/slides/slide9.xml><?xml version="1.0" encoding="utf-8"?>
+<p:sld xmlns:a="http://schemas.openxmlformats.org/drawingml/2006/main" xmlns:r="http://schemas.openxmlformats.org/officeDocument/2006/relationships" xmlns:mc="http://schemas.openxmlformats.org/markup-compatibility/2006" xmlns:mv="urn:schemas-microsoft-com:mac:vml" xmlns:p="http://schemas.openxmlformats.org/presentationml/2006/main" xmlns:c="http://schemas.openxmlformats.org/drawingml/2006/chart" xmlns:dgm="http://schemas.openxmlformats.org/drawingml/2006/diagram" xmlns:o="urn:schemas-microsoft-com:office:office" xmlns:v="urn:schemas-microsoft-com:vml" xmlns:pvml="urn:schemas-microsoft-com:office:powerpoint" xmlns:com="http://schemas.openxmlformats.org/drawingml/2006/compatibility" xmlns:p14="http://schemas.microsoft.com/office/powerpoint/2010/main" xmlns:p15="http://schemas.microsoft.com/office/powerpoint/2012/main" xmlns:ahyp="http://schemas.microsoft.com/office/drawing/2018/hyperlinkcolor">
+  <p:cSld>
+    <p:spTree>
+      <p:nvGrpSpPr>
+        <p:cNvPr id="148" name="Shape 148"/>
+        <p:cNvGrpSpPr/>
+        <p:nvPr/>
+      </p:nvGrpSpPr>
+      <p:grpSpPr>
+        <a:xfrm>
+          <a:off x="0" y="0"/>
+          <a:ext cx="0" cy="0"/>
+          <a:chOff x="0" y="0"/>
+          <a:chExt cx="0" cy="0"/>
+        </a:xfrm>
+      </p:grpSpPr>
+      <p:sp>
+        <p:nvSpPr>
+          <p:cNvPr id="149" name="Google Shape;149;p21"/>
+          <p:cNvSpPr txBox="1"/>
+          <p:nvPr>
+            <p:ph type="title"/>
+          </p:nvPr>
+        </p:nvSpPr>
+        <p:spPr>
+          <a:xfrm>
+            <a:off x="729450" y="1318650"/>
+            <a:ext cx="7688700" cy="535200"/>
+          </a:xfrm>
+          <a:prstGeom prst="rect">
+            <a:avLst/>
+          </a:prstGeom>
+        </p:spPr>
+        <p:txBody>
+          <a:bodyPr anchorCtr="0" anchor="t" bIns="91425" lIns="91425" spcFirstLastPara="1" rIns="91425" wrap="square" tIns="91425">
+            <a:normAutofit fontScale="90000"/>
+          </a:bodyPr>
+          <a:lstStyle/>
+          <a:p>
+            <a:pPr indent="0" lvl="0" marL="0" rtl="0" algn="l">
+              <a:spcBef>
+                <a:spcPts val="0"/>
+              </a:spcBef>
+              <a:spcAft>
+                <a:spcPts val="0"/>
+              </a:spcAft>
+              <a:buNone/>
+            </a:pPr>
+            <a:r>
+              <a:rPr lang="en"/>
+              <a:t>GPU Programming Particulars</a:t>
+            </a:r>
+            <a:endParaRPr/>
+          </a:p>
+        </p:txBody>
+      </p:sp>
+      <p:pic>
+        <p:nvPicPr>
+          <p:cNvPr id="150" name="Google Shape;150;p21"/>
+          <p:cNvPicPr preferRelativeResize="0"/>
+          <p:nvPr/>
+        </p:nvPicPr>
+        <p:blipFill>
+          <a:blip r:embed="rId3">
+            <a:alphaModFix/>
+          </a:blip>
+          <a:stretch>
+            <a:fillRect/>
+          </a:stretch>
+        </p:blipFill>
+        <p:spPr>
+          <a:xfrm>
+            <a:off x="5980297" y="915125"/>
+            <a:ext cx="2545750" cy="3828176"/>
           </a:xfrm>
           <a:prstGeom prst="rect">
             <a:avLst/>
@@ -10949,7 +11299,35 @@
       </p:pic>
       <p:pic>
         <p:nvPicPr>
-          <p:cNvPr id="135" name="Google Shape;135;p19"/>
+          <p:cNvPr id="151" name="Google Shape;151;p21"/>
+          <p:cNvPicPr preferRelativeResize="0"/>
+          <p:nvPr/>
+        </p:nvPicPr>
+        <p:blipFill>
+          <a:blip r:embed="rId4">
+            <a:alphaModFix/>
+          </a:blip>
+          <a:stretch>
+            <a:fillRect/>
+          </a:stretch>
+        </p:blipFill>
+        <p:spPr>
+          <a:xfrm>
+            <a:off x="2868696" y="2049138"/>
+            <a:ext cx="2932900" cy="2320550"/>
+          </a:xfrm>
+          <a:prstGeom prst="rect">
+            <a:avLst/>
+          </a:prstGeom>
+          <a:noFill/>
+          <a:ln>
+            <a:noFill/>
+          </a:ln>
+        </p:spPr>
+      </p:pic>
+      <p:pic>
+        <p:nvPicPr>
+          <p:cNvPr id="152" name="Google Shape;152;p21"/>
           <p:cNvPicPr preferRelativeResize="0"/>
           <p:nvPr/>
         </p:nvPicPr>
@@ -10977,7 +11355,7 @@
       </p:pic>
       <p:sp>
         <p:nvSpPr>
-          <p:cNvPr id="136" name="Google Shape;136;p19"/>
+          <p:cNvPr id="153" name="Google Shape;153;p21"/>
           <p:cNvSpPr txBox="1"/>
           <p:nvPr/>
         </p:nvSpPr>
@@ -11029,7 +11407,7 @@
       </p:sp>
       <p:sp>
         <p:nvSpPr>
-          <p:cNvPr id="137" name="Google Shape;137;p19"/>
+          <p:cNvPr id="154" name="Google Shape;154;p21"/>
           <p:cNvSpPr txBox="1"/>
           <p:nvPr/>
         </p:nvSpPr>
@@ -11081,7 +11459,7 @@
       </p:sp>
       <p:sp>
         <p:nvSpPr>
-          <p:cNvPr id="138" name="Google Shape;138;p19"/>
+          <p:cNvPr id="155" name="Google Shape;155;p21"/>
           <p:cNvSpPr txBox="1"/>
           <p:nvPr/>
         </p:nvSpPr>
@@ -11139,478 +11517,286 @@
 </p:sld>
 </file>
 
-<file path=ppt/slides/slide8.xml><?xml version="1.0" encoding="utf-8"?>
-<p:sld xmlns:a="http://schemas.openxmlformats.org/drawingml/2006/main" xmlns:r="http://schemas.openxmlformats.org/officeDocument/2006/relationships" xmlns:mc="http://schemas.openxmlformats.org/markup-compatibility/2006" xmlns:mv="urn:schemas-microsoft-com:mac:vml" xmlns:p="http://schemas.openxmlformats.org/presentationml/2006/main" xmlns:c="http://schemas.openxmlformats.org/drawingml/2006/chart" xmlns:dgm="http://schemas.openxmlformats.org/drawingml/2006/diagram" xmlns:o="urn:schemas-microsoft-com:office:office" xmlns:v="urn:schemas-microsoft-com:vml" xmlns:pvml="urn:schemas-microsoft-com:office:powerpoint" xmlns:com="http://schemas.openxmlformats.org/drawingml/2006/compatibility" xmlns:p14="http://schemas.microsoft.com/office/powerpoint/2010/main" xmlns:p15="http://schemas.microsoft.com/office/powerpoint/2012/main" xmlns:ahyp="http://schemas.microsoft.com/office/drawing/2018/hyperlinkcolor">
-  <p:cSld>
-    <p:spTree>
-      <p:nvGrpSpPr>
-        <p:cNvPr id="142" name="Shape 142"/>
-        <p:cNvGrpSpPr/>
-        <p:nvPr/>
-      </p:nvGrpSpPr>
-      <p:grpSpPr>
-        <a:xfrm>
-          <a:off x="0" y="0"/>
-          <a:ext cx="0" cy="0"/>
-          <a:chOff x="0" y="0"/>
-          <a:chExt cx="0" cy="0"/>
-        </a:xfrm>
-      </p:grpSpPr>
-      <p:sp>
-        <p:nvSpPr>
-          <p:cNvPr id="143" name="Google Shape;143;p20"/>
-          <p:cNvSpPr txBox="1"/>
-          <p:nvPr>
-            <p:ph type="title"/>
-          </p:nvPr>
-        </p:nvSpPr>
-        <p:spPr>
-          <a:xfrm>
-            <a:off x="729450" y="1318650"/>
-            <a:ext cx="7688700" cy="535200"/>
-          </a:xfrm>
-          <a:prstGeom prst="rect">
-            <a:avLst/>
-          </a:prstGeom>
-        </p:spPr>
-        <p:txBody>
-          <a:bodyPr anchorCtr="0" anchor="t" bIns="91425" lIns="91425" spcFirstLastPara="1" rIns="91425" wrap="square" tIns="91425">
-            <a:normAutofit fontScale="90000"/>
-          </a:bodyPr>
-          <a:lstStyle/>
-          <a:p>
-            <a:pPr indent="0" lvl="0" marL="0" rtl="0" algn="l">
-              <a:spcBef>
-                <a:spcPts val="0"/>
-              </a:spcBef>
-              <a:spcAft>
-                <a:spcPts val="0"/>
-              </a:spcAft>
-              <a:buNone/>
-            </a:pPr>
-            <a:r>
-              <a:rPr lang="en"/>
-              <a:t>GPU Solution - First Pass</a:t>
-            </a:r>
-            <a:endParaRPr/>
-          </a:p>
-        </p:txBody>
-      </p:sp>
-      <p:sp>
-        <p:nvSpPr>
-          <p:cNvPr id="144" name="Google Shape;144;p20"/>
-          <p:cNvSpPr txBox="1"/>
-          <p:nvPr>
-            <p:ph idx="1" type="body"/>
-          </p:nvPr>
-        </p:nvSpPr>
-        <p:spPr>
-          <a:xfrm>
-            <a:off x="729450" y="2214550"/>
-            <a:ext cx="3780900" cy="2261100"/>
-          </a:xfrm>
-          <a:prstGeom prst="rect">
-            <a:avLst/>
-          </a:prstGeom>
-        </p:spPr>
-        <p:txBody>
-          <a:bodyPr anchorCtr="0" anchor="t" bIns="91425" lIns="91425" spcFirstLastPara="1" rIns="91425" wrap="square" tIns="91425">
-            <a:normAutofit fontScale="92500" lnSpcReduction="20000"/>
-          </a:bodyPr>
-          <a:lstStyle/>
-          <a:p>
-            <a:pPr indent="0" lvl="0" marL="0" rtl="0" algn="l">
-              <a:spcBef>
-                <a:spcPts val="0"/>
-              </a:spcBef>
-              <a:spcAft>
-                <a:spcPts val="0"/>
-              </a:spcAft>
-              <a:buNone/>
-            </a:pPr>
-            <a:r>
-              <a:rPr lang="en"/>
-              <a:t>rand() is gone! Need to use cuRAND the CUDA way. </a:t>
-            </a:r>
-            <a:endParaRPr/>
-          </a:p>
-          <a:p>
-            <a:pPr indent="0" lvl="0" marL="0" rtl="0" algn="l">
-              <a:spcBef>
-                <a:spcPts val="1200"/>
-              </a:spcBef>
-              <a:spcAft>
-                <a:spcPts val="0"/>
-              </a:spcAft>
-              <a:buNone/>
-            </a:pPr>
-            <a:r>
-              <a:rPr lang="en"/>
-              <a:t>Memory needs to be allocated and managed on both host and device</a:t>
-            </a:r>
-            <a:endParaRPr/>
-          </a:p>
-          <a:p>
-            <a:pPr indent="0" lvl="0" marL="0" rtl="0" algn="l">
-              <a:spcBef>
-                <a:spcPts val="1200"/>
-              </a:spcBef>
-              <a:spcAft>
-                <a:spcPts val="0"/>
-              </a:spcAft>
-              <a:buNone/>
-            </a:pPr>
-            <a:r>
-              <a:rPr lang="en"/>
-              <a:t>Evaluation and Reproduction require calculating totals and dot products (</a:t>
-            </a:r>
-            <a:r>
-              <a:rPr b="1" lang="en"/>
-              <a:t>Reductions</a:t>
-            </a:r>
-            <a:r>
-              <a:rPr lang="en"/>
-              <a:t>). Easy on CPU, Harder on GPU. </a:t>
-            </a:r>
-            <a:endParaRPr/>
-          </a:p>
-          <a:p>
-            <a:pPr indent="0" lvl="0" marL="0" rtl="0" algn="l">
-              <a:spcBef>
-                <a:spcPts val="1200"/>
-              </a:spcBef>
-              <a:spcAft>
-                <a:spcPts val="0"/>
-              </a:spcAft>
-              <a:buNone/>
-            </a:pPr>
-            <a:r>
-              <a:rPr lang="en"/>
-              <a:t>Every remaining function moved to __device__</a:t>
-            </a:r>
-            <a:endParaRPr/>
-          </a:p>
-          <a:p>
-            <a:pPr indent="0" lvl="0" marL="0" rtl="0" algn="l">
-              <a:spcBef>
-                <a:spcPts val="1200"/>
-              </a:spcBef>
-              <a:spcAft>
-                <a:spcPts val="1200"/>
-              </a:spcAft>
-              <a:buNone/>
-            </a:pPr>
-            <a:r>
-              <a:rPr lang="en"/>
-              <a:t>CUDA C/C++ programming</a:t>
-            </a:r>
-            <a:endParaRPr/>
-          </a:p>
-        </p:txBody>
-      </p:sp>
-      <p:pic>
-        <p:nvPicPr>
-          <p:cNvPr id="145" name="Google Shape;145;p20"/>
-          <p:cNvPicPr preferRelativeResize="0"/>
-          <p:nvPr/>
-        </p:nvPicPr>
-        <p:blipFill>
-          <a:blip r:embed="rId3">
-            <a:alphaModFix/>
-          </a:blip>
-          <a:stretch>
-            <a:fillRect/>
-          </a:stretch>
-        </p:blipFill>
-        <p:spPr>
-          <a:xfrm>
-            <a:off x="4572000" y="2214550"/>
-            <a:ext cx="3971551" cy="2311544"/>
-          </a:xfrm>
-          <a:prstGeom prst="rect">
-            <a:avLst/>
-          </a:prstGeom>
-          <a:noFill/>
-          <a:ln>
-            <a:noFill/>
-          </a:ln>
-        </p:spPr>
-      </p:pic>
-      <p:sp>
-        <p:nvSpPr>
-          <p:cNvPr id="146" name="Google Shape;146;p20"/>
-          <p:cNvSpPr txBox="1"/>
-          <p:nvPr/>
-        </p:nvSpPr>
-        <p:spPr>
-          <a:xfrm>
-            <a:off x="5108625" y="1853850"/>
-            <a:ext cx="2898300" cy="400200"/>
-          </a:xfrm>
-          <a:prstGeom prst="rect">
-            <a:avLst/>
-          </a:prstGeom>
-          <a:noFill/>
-          <a:ln>
-            <a:noFill/>
-          </a:ln>
-        </p:spPr>
-        <p:txBody>
-          <a:bodyPr anchorCtr="0" anchor="t" bIns="91425" lIns="91425" spcFirstLastPara="1" rIns="91425" wrap="square" tIns="91425">
-            <a:spAutoFit/>
-          </a:bodyPr>
-          <a:lstStyle/>
-          <a:p>
-            <a:pPr indent="0" lvl="0" marL="0" rtl="0" algn="ctr">
-              <a:spcBef>
-                <a:spcPts val="0"/>
-              </a:spcBef>
-              <a:spcAft>
-                <a:spcPts val="0"/>
-              </a:spcAft>
-              <a:buNone/>
-            </a:pPr>
-            <a:r>
-              <a:rPr lang="en">
-                <a:latin typeface="Lato"/>
-                <a:ea typeface="Lato"/>
-                <a:cs typeface="Lato"/>
-                <a:sym typeface="Lato"/>
-              </a:rPr>
-              <a:t>Sequential Addressing Reduction </a:t>
-            </a:r>
-            <a:endParaRPr>
-              <a:latin typeface="Lato"/>
-              <a:ea typeface="Lato"/>
-              <a:cs typeface="Lato"/>
-              <a:sym typeface="Lato"/>
-            </a:endParaRPr>
-          </a:p>
-        </p:txBody>
-      </p:sp>
-    </p:spTree>
-  </p:cSld>
-  <p:clrMapOvr>
-    <a:masterClrMapping/>
-  </p:clrMapOvr>
-</p:sld>
+<file path=ppt/theme/theme1.xml><?xml version="1.0" encoding="utf-8"?>
+<a:theme xmlns:a="http://schemas.openxmlformats.org/drawingml/2006/main" xmlns:r="http://schemas.openxmlformats.org/officeDocument/2006/relationships" name="Streamline">
+  <a:themeElements>
+    <a:clrScheme name="Streamline">
+      <a:dk1>
+        <a:srgbClr val="1A9988"/>
+      </a:dk1>
+      <a:lt1>
+        <a:srgbClr val="FFFFFF"/>
+      </a:lt1>
+      <a:dk2>
+        <a:srgbClr val="1A1A1A"/>
+      </a:dk2>
+      <a:lt2>
+        <a:srgbClr val="E9EDEE"/>
+      </a:lt2>
+      <a:accent1>
+        <a:srgbClr val="595959"/>
+      </a:accent1>
+      <a:accent2>
+        <a:srgbClr val="6AA4C8"/>
+      </a:accent2>
+      <a:accent3>
+        <a:srgbClr val="EB5600"/>
+      </a:accent3>
+      <a:accent4>
+        <a:srgbClr val="A2FFE8"/>
+      </a:accent4>
+      <a:accent5>
+        <a:srgbClr val="1C3678"/>
+      </a:accent5>
+      <a:accent6>
+        <a:srgbClr val="FFB8A2"/>
+      </a:accent6>
+      <a:hlink>
+        <a:srgbClr val="1C3678"/>
+      </a:hlink>
+      <a:folHlink>
+        <a:srgbClr val="1C3678"/>
+      </a:folHlink>
+    </a:clrScheme>
+    <a:fontScheme name="Office">
+      <a:majorFont>
+        <a:latin typeface="Arial"/>
+        <a:ea typeface=""/>
+        <a:cs typeface=""/>
+        <a:font script="Jpan" typeface="ＭＳ Ｐゴシック"/>
+        <a:font script="Hang" typeface="맑은 고딕"/>
+        <a:font script="Hans" typeface="宋体"/>
+        <a:font script="Hant" typeface="新細明體"/>
+        <a:font script="Arab" typeface="Times New Roman"/>
+        <a:font script="Hebr" typeface="Times New Roman"/>
+        <a:font script="Thai" typeface="Angsana New"/>
+        <a:font script="Ethi" typeface="Nyala"/>
+        <a:font script="Beng" typeface="Vrinda"/>
+        <a:font script="Gujr" typeface="Shruti"/>
+        <a:font script="Khmr" typeface="MoolBoran"/>
+        <a:font script="Knda" typeface="Tunga"/>
+        <a:font script="Guru" typeface="Raavi"/>
+        <a:font script="Cans" typeface="Euphemia"/>
+        <a:font script="Cher" typeface="Plantagenet Cherokee"/>
+        <a:font script="Yiii" typeface="Microsoft Yi Baiti"/>
+        <a:font script="Tibt" typeface="Microsoft Himalaya"/>
+        <a:font script="Thaa" typeface="MV Boli"/>
+        <a:font script="Deva" typeface="Mangal"/>
+        <a:font script="Telu" typeface="Gautami"/>
+        <a:font script="Taml" typeface="Latha"/>
+        <a:font script="Syrc" typeface="Estrangelo Edessa"/>
+        <a:font script="Orya" typeface="Kalinga"/>
+        <a:font script="Mlym" typeface="Kartika"/>
+        <a:font script="Laoo" typeface="DokChampa"/>
+        <a:font script="Sinh" typeface="Iskoola Pota"/>
+        <a:font script="Mong" typeface="Mongolian Baiti"/>
+        <a:font script="Viet" typeface="Times New Roman"/>
+        <a:font script="Uigh" typeface="Microsoft Uighur"/>
+        <a:font script="Geor" typeface="Sylfaen"/>
+      </a:majorFont>
+      <a:minorFont>
+        <a:latin typeface="Arial"/>
+        <a:ea typeface=""/>
+        <a:cs typeface=""/>
+        <a:font script="Jpan" typeface="ＭＳ Ｐゴシック"/>
+        <a:font script="Hang" typeface="맑은 고딕"/>
+        <a:font script="Hans" typeface="宋体"/>
+        <a:font script="Hant" typeface="新細明體"/>
+        <a:font script="Arab" typeface="Arial"/>
+        <a:font script="Hebr" typeface="Arial"/>
+        <a:font script="Thai" typeface="Cordia New"/>
+        <a:font script="Ethi" typeface="Nyala"/>
+        <a:font script="Beng" typeface="Vrinda"/>
+        <a:font script="Gujr" typeface="Shruti"/>
+        <a:font script="Khmr" typeface="DaunPenh"/>
+        <a:font script="Knda" typeface="Tunga"/>
+        <a:font script="Guru" typeface="Raavi"/>
+        <a:font script="Cans" typeface="Euphemia"/>
+        <a:font script="Cher" typeface="Plantagenet Cherokee"/>
+        <a:font script="Yiii" typeface="Microsoft Yi Baiti"/>
+        <a:font script="Tibt" typeface="Microsoft Himalaya"/>
+        <a:font script="Thaa" typeface="MV Boli"/>
+        <a:font script="Deva" typeface="Mangal"/>
+        <a:font script="Telu" typeface="Gautami"/>
+        <a:font script="Taml" typeface="Latha"/>
+        <a:font script="Syrc" typeface="Estrangelo Edessa"/>
+        <a:font script="Orya" typeface="Kalinga"/>
+        <a:font script="Mlym" typeface="Kartika"/>
+        <a:font script="Laoo" typeface="DokChampa"/>
+        <a:font script="Sinh" typeface="Iskoola Pota"/>
+        <a:font script="Mong" typeface="Mongolian Baiti"/>
+        <a:font script="Viet" typeface="Arial"/>
+        <a:font script="Uigh" typeface="Microsoft Uighur"/>
+        <a:font script="Geor" typeface="Sylfaen"/>
+      </a:minorFont>
+    </a:fontScheme>
+    <a:fmtScheme name="Office">
+      <a:fillStyleLst>
+        <a:solidFill>
+          <a:schemeClr val="phClr"/>
+        </a:solidFill>
+        <a:gradFill rotWithShape="1">
+          <a:gsLst>
+            <a:gs pos="0">
+              <a:schemeClr val="phClr">
+                <a:tint val="50000"/>
+                <a:satMod val="300000"/>
+              </a:schemeClr>
+            </a:gs>
+            <a:gs pos="35000">
+              <a:schemeClr val="phClr">
+                <a:tint val="37000"/>
+                <a:satMod val="300000"/>
+              </a:schemeClr>
+            </a:gs>
+            <a:gs pos="100000">
+              <a:schemeClr val="phClr">
+                <a:tint val="15000"/>
+                <a:satMod val="350000"/>
+              </a:schemeClr>
+            </a:gs>
+          </a:gsLst>
+          <a:lin ang="16200000" scaled="1"/>
+        </a:gradFill>
+        <a:gradFill rotWithShape="1">
+          <a:gsLst>
+            <a:gs pos="0">
+              <a:schemeClr val="phClr">
+                <a:tint val="100000"/>
+                <a:shade val="100000"/>
+                <a:satMod val="130000"/>
+              </a:schemeClr>
+            </a:gs>
+            <a:gs pos="100000">
+              <a:schemeClr val="phClr">
+                <a:tint val="50000"/>
+                <a:shade val="100000"/>
+                <a:satMod val="350000"/>
+              </a:schemeClr>
+            </a:gs>
+          </a:gsLst>
+          <a:lin ang="16200000" scaled="0"/>
+        </a:gradFill>
+      </a:fillStyleLst>
+      <a:lnStyleLst>
+        <a:ln w="9525" cap="flat" cmpd="sng" algn="ctr">
+          <a:solidFill>
+            <a:schemeClr val="phClr">
+              <a:shade val="95000"/>
+              <a:satMod val="105000"/>
+            </a:schemeClr>
+          </a:solidFill>
+          <a:prstDash val="solid"/>
+        </a:ln>
+        <a:ln w="25400" cap="flat" cmpd="sng" algn="ctr">
+          <a:solidFill>
+            <a:schemeClr val="phClr"/>
+          </a:solidFill>
+          <a:prstDash val="solid"/>
+        </a:ln>
+        <a:ln w="38100" cap="flat" cmpd="sng" algn="ctr">
+          <a:solidFill>
+            <a:schemeClr val="phClr"/>
+          </a:solidFill>
+          <a:prstDash val="solid"/>
+        </a:ln>
+      </a:lnStyleLst>
+      <a:effectStyleLst>
+        <a:effectStyle>
+          <a:effectLst>
+            <a:outerShdw blurRad="40000" dist="20000" dir="5400000" rotWithShape="0">
+              <a:srgbClr val="000000">
+                <a:alpha val="38000"/>
+              </a:srgbClr>
+            </a:outerShdw>
+          </a:effectLst>
+        </a:effectStyle>
+        <a:effectStyle>
+          <a:effectLst>
+            <a:outerShdw blurRad="40000" dist="23000" dir="5400000" rotWithShape="0">
+              <a:srgbClr val="000000">
+                <a:alpha val="35000"/>
+              </a:srgbClr>
+            </a:outerShdw>
+          </a:effectLst>
+        </a:effectStyle>
+        <a:effectStyle>
+          <a:effectLst>
+            <a:outerShdw blurRad="40000" dist="23000" dir="5400000" rotWithShape="0">
+              <a:srgbClr val="000000">
+                <a:alpha val="35000"/>
+              </a:srgbClr>
+            </a:outerShdw>
+          </a:effectLst>
+          <a:scene3d>
+            <a:camera prst="orthographicFront">
+              <a:rot lat="0" lon="0" rev="0"/>
+            </a:camera>
+            <a:lightRig rig="threePt" dir="t">
+              <a:rot lat="0" lon="0" rev="1200000"/>
+            </a:lightRig>
+          </a:scene3d>
+          <a:sp3d>
+            <a:bevelT w="63500" h="25400"/>
+          </a:sp3d>
+        </a:effectStyle>
+      </a:effectStyleLst>
+      <a:bgFillStyleLst>
+        <a:solidFill>
+          <a:schemeClr val="phClr"/>
+        </a:solidFill>
+        <a:gradFill rotWithShape="1">
+          <a:gsLst>
+            <a:gs pos="0">
+              <a:schemeClr val="phClr">
+                <a:tint val="40000"/>
+                <a:satMod val="350000"/>
+              </a:schemeClr>
+            </a:gs>
+            <a:gs pos="40000">
+              <a:schemeClr val="phClr">
+                <a:tint val="45000"/>
+                <a:shade val="99000"/>
+                <a:satMod val="350000"/>
+              </a:schemeClr>
+            </a:gs>
+            <a:gs pos="100000">
+              <a:schemeClr val="phClr">
+                <a:shade val="20000"/>
+                <a:satMod val="255000"/>
+              </a:schemeClr>
+            </a:gs>
+          </a:gsLst>
+          <a:path path="circle">
+            <a:fillToRect l="50000" t="-80000" r="50000" b="180000"/>
+          </a:path>
+        </a:gradFill>
+        <a:gradFill rotWithShape="1">
+          <a:gsLst>
+            <a:gs pos="0">
+              <a:schemeClr val="phClr">
+                <a:tint val="80000"/>
+                <a:satMod val="300000"/>
+              </a:schemeClr>
+            </a:gs>
+            <a:gs pos="100000">
+              <a:schemeClr val="phClr">
+                <a:shade val="30000"/>
+                <a:satMod val="200000"/>
+              </a:schemeClr>
+            </a:gs>
+          </a:gsLst>
+          <a:path path="circle">
+            <a:fillToRect l="50000" t="50000" r="50000" b="50000"/>
+          </a:path>
+        </a:gradFill>
+      </a:bgFillStyleLst>
+    </a:fmtScheme>
+  </a:themeElements>
+</a:theme>
 </file>
 
-<file path=ppt/slides/slide9.xml><?xml version="1.0" encoding="utf-8"?>
-<p:sld xmlns:a="http://schemas.openxmlformats.org/drawingml/2006/main" xmlns:r="http://schemas.openxmlformats.org/officeDocument/2006/relationships" xmlns:mc="http://schemas.openxmlformats.org/markup-compatibility/2006" xmlns:mv="urn:schemas-microsoft-com:mac:vml" xmlns:p="http://schemas.openxmlformats.org/presentationml/2006/main" xmlns:c="http://schemas.openxmlformats.org/drawingml/2006/chart" xmlns:dgm="http://schemas.openxmlformats.org/drawingml/2006/diagram" xmlns:o="urn:schemas-microsoft-com:office:office" xmlns:v="urn:schemas-microsoft-com:vml" xmlns:pvml="urn:schemas-microsoft-com:office:powerpoint" xmlns:com="http://schemas.openxmlformats.org/drawingml/2006/compatibility" xmlns:p14="http://schemas.microsoft.com/office/powerpoint/2010/main" xmlns:p15="http://schemas.microsoft.com/office/powerpoint/2012/main" xmlns:ahyp="http://schemas.microsoft.com/office/drawing/2018/hyperlinkcolor">
-  <p:cSld>
-    <p:spTree>
-      <p:nvGrpSpPr>
-        <p:cNvPr id="150" name="Shape 150"/>
-        <p:cNvGrpSpPr/>
-        <p:nvPr/>
-      </p:nvGrpSpPr>
-      <p:grpSpPr>
-        <a:xfrm>
-          <a:off x="0" y="0"/>
-          <a:ext cx="0" cy="0"/>
-          <a:chOff x="0" y="0"/>
-          <a:chExt cx="0" cy="0"/>
-        </a:xfrm>
-      </p:grpSpPr>
-      <p:sp>
-        <p:nvSpPr>
-          <p:cNvPr id="151" name="Google Shape;151;p21"/>
-          <p:cNvSpPr txBox="1"/>
-          <p:nvPr>
-            <p:ph type="title"/>
-          </p:nvPr>
-        </p:nvSpPr>
-        <p:spPr>
-          <a:xfrm>
-            <a:off x="729450" y="1318650"/>
-            <a:ext cx="7688700" cy="535200"/>
-          </a:xfrm>
-          <a:prstGeom prst="rect">
-            <a:avLst/>
-          </a:prstGeom>
-        </p:spPr>
-        <p:txBody>
-          <a:bodyPr anchorCtr="0" anchor="t" bIns="91425" lIns="91425" spcFirstLastPara="1" rIns="91425" wrap="square" tIns="91425">
-            <a:normAutofit fontScale="90000"/>
-          </a:bodyPr>
-          <a:lstStyle/>
-          <a:p>
-            <a:pPr indent="0" lvl="0" marL="0" rtl="0" algn="l">
-              <a:spcBef>
-                <a:spcPts val="0"/>
-              </a:spcBef>
-              <a:spcAft>
-                <a:spcPts val="0"/>
-              </a:spcAft>
-              <a:buNone/>
-            </a:pPr>
-            <a:r>
-              <a:rPr lang="en"/>
-              <a:t>GPU Solution - First Pass - Results</a:t>
-            </a:r>
-            <a:endParaRPr/>
-          </a:p>
-        </p:txBody>
-      </p:sp>
-      <p:sp>
-        <p:nvSpPr>
-          <p:cNvPr id="152" name="Google Shape;152;p21"/>
-          <p:cNvSpPr txBox="1"/>
-          <p:nvPr>
-            <p:ph idx="1" type="body"/>
-          </p:nvPr>
-        </p:nvSpPr>
-        <p:spPr>
-          <a:xfrm>
-            <a:off x="729450" y="1916400"/>
-            <a:ext cx="4294200" cy="384300"/>
-          </a:xfrm>
-          <a:prstGeom prst="rect">
-            <a:avLst/>
-          </a:prstGeom>
-        </p:spPr>
-        <p:txBody>
-          <a:bodyPr anchorCtr="0" anchor="t" bIns="91425" lIns="91425" spcFirstLastPara="1" rIns="91425" wrap="square" tIns="91425">
-            <a:normAutofit fontScale="92500"/>
-          </a:bodyPr>
-          <a:lstStyle/>
-          <a:p>
-            <a:pPr indent="-304958" lvl="0" marL="457200" rtl="0" algn="l">
-              <a:spcBef>
-                <a:spcPts val="0"/>
-              </a:spcBef>
-              <a:spcAft>
-                <a:spcPts val="0"/>
-              </a:spcAft>
-              <a:buSzPct val="100000"/>
-              <a:buChar char="-"/>
-            </a:pPr>
-            <a:r>
-              <a:rPr lang="en"/>
-              <a:t>1st Goal Achieved - CUDA GPU Version runs faster!</a:t>
-            </a:r>
-            <a:endParaRPr/>
-          </a:p>
-        </p:txBody>
-      </p:sp>
-      <p:pic>
-        <p:nvPicPr>
-          <p:cNvPr id="153" name="Google Shape;153;p21"/>
-          <p:cNvPicPr preferRelativeResize="0"/>
-          <p:nvPr/>
-        </p:nvPicPr>
-        <p:blipFill>
-          <a:blip r:embed="rId3">
-            <a:alphaModFix/>
-          </a:blip>
-          <a:stretch>
-            <a:fillRect/>
-          </a:stretch>
-        </p:blipFill>
-        <p:spPr>
-          <a:xfrm>
-            <a:off x="729450" y="2973000"/>
-            <a:ext cx="4507326" cy="978700"/>
-          </a:xfrm>
-          <a:prstGeom prst="rect">
-            <a:avLst/>
-          </a:prstGeom>
-          <a:noFill/>
-          <a:ln>
-            <a:noFill/>
-          </a:ln>
-        </p:spPr>
-      </p:pic>
-      <p:sp>
-        <p:nvSpPr>
-          <p:cNvPr id="154" name="Google Shape;154;p21"/>
-          <p:cNvSpPr txBox="1"/>
-          <p:nvPr/>
-        </p:nvSpPr>
-        <p:spPr>
-          <a:xfrm>
-            <a:off x="1427400" y="2436750"/>
-            <a:ext cx="2898300" cy="400200"/>
-          </a:xfrm>
-          <a:prstGeom prst="rect">
-            <a:avLst/>
-          </a:prstGeom>
-          <a:noFill/>
-          <a:ln>
-            <a:noFill/>
-          </a:ln>
-        </p:spPr>
-        <p:txBody>
-          <a:bodyPr anchorCtr="0" anchor="t" bIns="91425" lIns="91425" spcFirstLastPara="1" rIns="91425" wrap="square" tIns="91425">
-            <a:spAutoFit/>
-          </a:bodyPr>
-          <a:lstStyle/>
-          <a:p>
-            <a:pPr indent="0" lvl="0" marL="0" rtl="0" algn="ctr">
-              <a:spcBef>
-                <a:spcPts val="0"/>
-              </a:spcBef>
-              <a:spcAft>
-                <a:spcPts val="0"/>
-              </a:spcAft>
-              <a:buNone/>
-            </a:pPr>
-            <a:r>
-              <a:rPr lang="en">
-                <a:latin typeface="Lato"/>
-                <a:ea typeface="Lato"/>
-                <a:cs typeface="Lato"/>
-                <a:sym typeface="Lato"/>
-              </a:rPr>
-              <a:t>CUDA NSYS Profiling</a:t>
-            </a:r>
-            <a:endParaRPr>
-              <a:latin typeface="Lato"/>
-              <a:ea typeface="Lato"/>
-              <a:cs typeface="Lato"/>
-              <a:sym typeface="Lato"/>
-            </a:endParaRPr>
-          </a:p>
-        </p:txBody>
-      </p:sp>
-      <p:pic>
-        <p:nvPicPr>
-          <p:cNvPr id="155" name="Google Shape;155;p21"/>
-          <p:cNvPicPr preferRelativeResize="0"/>
-          <p:nvPr/>
-        </p:nvPicPr>
-        <p:blipFill>
-          <a:blip r:embed="rId4">
-            <a:alphaModFix/>
-          </a:blip>
-          <a:stretch>
-            <a:fillRect/>
-          </a:stretch>
-        </p:blipFill>
-        <p:spPr>
-          <a:xfrm>
-            <a:off x="5285475" y="1916400"/>
-            <a:ext cx="3676650" cy="2647950"/>
-          </a:xfrm>
-          <a:prstGeom prst="rect">
-            <a:avLst/>
-          </a:prstGeom>
-          <a:noFill/>
-          <a:ln>
-            <a:noFill/>
-          </a:ln>
-        </p:spPr>
-      </p:pic>
-    </p:spTree>
-  </p:cSld>
-  <p:clrMapOvr>
-    <a:masterClrMapping/>
-  </p:clrMapOvr>
-</p:sld>
-</file>
-
-<file path=ppt/theme/theme1.xml><?xml version="1.0" encoding="utf-8"?>
+<file path=ppt/theme/theme2.xml><?xml version="1.0" encoding="utf-8"?>
 <a:theme xmlns:a="http://schemas.openxmlformats.org/drawingml/2006/main" xmlns:r="http://schemas.openxmlformats.org/officeDocument/2006/relationships">
   <a:themeElements>
     <a:clrScheme name="Default">
@@ -11887,283 +12073,4 @@
     </a:fmtScheme>
   </a:themeElements>
 </a:theme>
-</file>
-
-<file path=ppt/theme/theme2.xml><?xml version="1.0" encoding="utf-8"?>
-<a:theme xmlns:a="http://schemas.openxmlformats.org/drawingml/2006/main" xmlns:r="http://schemas.openxmlformats.org/officeDocument/2006/relationships" name="Streamline">
-  <a:themeElements>
-    <a:clrScheme name="Streamline">
-      <a:dk1>
-        <a:srgbClr val="1A9988"/>
-      </a:dk1>
-      <a:lt1>
-        <a:srgbClr val="FFFFFF"/>
-      </a:lt1>
-      <a:dk2>
-        <a:srgbClr val="1A1A1A"/>
-      </a:dk2>
-      <a:lt2>
-        <a:srgbClr val="E9EDEE"/>
-      </a:lt2>
-      <a:accent1>
-        <a:srgbClr val="595959"/>
-      </a:accent1>
-      <a:accent2>
-        <a:srgbClr val="6AA4C8"/>
-      </a:accent2>
-      <a:accent3>
-        <a:srgbClr val="EB5600"/>
-      </a:accent3>
-      <a:accent4>
-        <a:srgbClr val="A2FFE8"/>
-      </a:accent4>
-      <a:accent5>
-        <a:srgbClr val="1C3678"/>
-      </a:accent5>
-      <a:accent6>
-        <a:srgbClr val="FFB8A2"/>
-      </a:accent6>
-      <a:hlink>
-        <a:srgbClr val="1C3678"/>
-      </a:hlink>
-      <a:folHlink>
-        <a:srgbClr val="1C3678"/>
-      </a:folHlink>
-    </a:clrScheme>
-    <a:fontScheme name="Office">
-      <a:majorFont>
-        <a:latin typeface="Arial"/>
-        <a:ea typeface=""/>
-        <a:cs typeface=""/>
-        <a:font script="Jpan" typeface="ＭＳ Ｐゴシック"/>
-        <a:font script="Hang" typeface="맑은 고딕"/>
-        <a:font script="Hans" typeface="宋体"/>
-        <a:font script="Hant" typeface="新細明體"/>
-        <a:font script="Arab" typeface="Times New Roman"/>
-        <a:font script="Hebr" typeface="Times New Roman"/>
-        <a:font script="Thai" typeface="Angsana New"/>
-        <a:font script="Ethi" typeface="Nyala"/>
-        <a:font script="Beng" typeface="Vrinda"/>
-        <a:font script="Gujr" typeface="Shruti"/>
-        <a:font script="Khmr" typeface="MoolBoran"/>
-        <a:font script="Knda" typeface="Tunga"/>
-        <a:font script="Guru" typeface="Raavi"/>
-        <a:font script="Cans" typeface="Euphemia"/>
-        <a:font script="Cher" typeface="Plantagenet Cherokee"/>
-        <a:font script="Yiii" typeface="Microsoft Yi Baiti"/>
-        <a:font script="Tibt" typeface="Microsoft Himalaya"/>
-        <a:font script="Thaa" typeface="MV Boli"/>
-        <a:font script="Deva" typeface="Mangal"/>
-        <a:font script="Telu" typeface="Gautami"/>
-        <a:font script="Taml" typeface="Latha"/>
-        <a:font script="Syrc" typeface="Estrangelo Edessa"/>
-        <a:font script="Orya" typeface="Kalinga"/>
-        <a:font script="Mlym" typeface="Kartika"/>
-        <a:font script="Laoo" typeface="DokChampa"/>
-        <a:font script="Sinh" typeface="Iskoola Pota"/>
-        <a:font script="Mong" typeface="Mongolian Baiti"/>
-        <a:font script="Viet" typeface="Times New Roman"/>
-        <a:font script="Uigh" typeface="Microsoft Uighur"/>
-        <a:font script="Geor" typeface="Sylfaen"/>
-      </a:majorFont>
-      <a:minorFont>
-        <a:latin typeface="Arial"/>
-        <a:ea typeface=""/>
-        <a:cs typeface=""/>
-        <a:font script="Jpan" typeface="ＭＳ Ｐゴシック"/>
-        <a:font script="Hang" typeface="맑은 고딕"/>
-        <a:font script="Hans" typeface="宋体"/>
-        <a:font script="Hant" typeface="新細明體"/>
-        <a:font script="Arab" typeface="Arial"/>
-        <a:font script="Hebr" typeface="Arial"/>
-        <a:font script="Thai" typeface="Cordia New"/>
-        <a:font script="Ethi" typeface="Nyala"/>
-        <a:font script="Beng" typeface="Vrinda"/>
-        <a:font script="Gujr" typeface="Shruti"/>
-        <a:font script="Khmr" typeface="DaunPenh"/>
-        <a:font script="Knda" typeface="Tunga"/>
-        <a:font script="Guru" typeface="Raavi"/>
-        <a:font script="Cans" typeface="Euphemia"/>
-        <a:font script="Cher" typeface="Plantagenet Cherokee"/>
-        <a:font script="Yiii" typeface="Microsoft Yi Baiti"/>
-        <a:font script="Tibt" typeface="Microsoft Himalaya"/>
-        <a:font script="Thaa" typeface="MV Boli"/>
-        <a:font script="Deva" typeface="Mangal"/>
-        <a:font script="Telu" typeface="Gautami"/>
-        <a:font script="Taml" typeface="Latha"/>
-        <a:font script="Syrc" typeface="Estrangelo Edessa"/>
-        <a:font script="Orya" typeface="Kalinga"/>
-        <a:font script="Mlym" typeface="Kartika"/>
-        <a:font script="Laoo" typeface="DokChampa"/>
-        <a:font script="Sinh" typeface="Iskoola Pota"/>
-        <a:font script="Mong" typeface="Mongolian Baiti"/>
-        <a:font script="Viet" typeface="Arial"/>
-        <a:font script="Uigh" typeface="Microsoft Uighur"/>
-        <a:font script="Geor" typeface="Sylfaen"/>
-      </a:minorFont>
-    </a:fontScheme>
-    <a:fmtScheme name="Office">
-      <a:fillStyleLst>
-        <a:solidFill>
-          <a:schemeClr val="phClr"/>
-        </a:solidFill>
-        <a:gradFill rotWithShape="1">
-          <a:gsLst>
-            <a:gs pos="0">
-              <a:schemeClr val="phClr">
-                <a:tint val="50000"/>
-                <a:satMod val="300000"/>
-              </a:schemeClr>
-            </a:gs>
-            <a:gs pos="35000">
-              <a:schemeClr val="phClr">
-                <a:tint val="37000"/>
-                <a:satMod val="300000"/>
-              </a:schemeClr>
-            </a:gs>
-            <a:gs pos="100000">
-              <a:schemeClr val="phClr">
-                <a:tint val="15000"/>
-                <a:satMod val="350000"/>
-              </a:schemeClr>
-            </a:gs>
-          </a:gsLst>
-          <a:lin ang="16200000" scaled="1"/>
-        </a:gradFill>
-        <a:gradFill rotWithShape="1">
-          <a:gsLst>
-            <a:gs pos="0">
-              <a:schemeClr val="phClr">
-                <a:tint val="100000"/>
-                <a:shade val="100000"/>
-                <a:satMod val="130000"/>
-              </a:schemeClr>
-            </a:gs>
-            <a:gs pos="100000">
-              <a:schemeClr val="phClr">
-                <a:tint val="50000"/>
-                <a:shade val="100000"/>
-                <a:satMod val="350000"/>
-              </a:schemeClr>
-            </a:gs>
-          </a:gsLst>
-          <a:lin ang="16200000" scaled="0"/>
-        </a:gradFill>
-      </a:fillStyleLst>
-      <a:lnStyleLst>
-        <a:ln w="9525" cap="flat" cmpd="sng" algn="ctr">
-          <a:solidFill>
-            <a:schemeClr val="phClr">
-              <a:shade val="95000"/>
-              <a:satMod val="105000"/>
-            </a:schemeClr>
-          </a:solidFill>
-          <a:prstDash val="solid"/>
-        </a:ln>
-        <a:ln w="25400" cap="flat" cmpd="sng" algn="ctr">
-          <a:solidFill>
-            <a:schemeClr val="phClr"/>
-          </a:solidFill>
-          <a:prstDash val="solid"/>
-        </a:ln>
-        <a:ln w="38100" cap="flat" cmpd="sng" algn="ctr">
-          <a:solidFill>
-            <a:schemeClr val="phClr"/>
-          </a:solidFill>
-          <a:prstDash val="solid"/>
-        </a:ln>
-      </a:lnStyleLst>
-      <a:effectStyleLst>
-        <a:effectStyle>
-          <a:effectLst>
-            <a:outerShdw blurRad="40000" dist="20000" dir="5400000" rotWithShape="0">
-              <a:srgbClr val="000000">
-                <a:alpha val="38000"/>
-              </a:srgbClr>
-            </a:outerShdw>
-          </a:effectLst>
-        </a:effectStyle>
-        <a:effectStyle>
-          <a:effectLst>
-            <a:outerShdw blurRad="40000" dist="23000" dir="5400000" rotWithShape="0">
-              <a:srgbClr val="000000">
-                <a:alpha val="35000"/>
-              </a:srgbClr>
-            </a:outerShdw>
-          </a:effectLst>
-        </a:effectStyle>
-        <a:effectStyle>
-          <a:effectLst>
-            <a:outerShdw blurRad="40000" dist="23000" dir="5400000" rotWithShape="0">
-              <a:srgbClr val="000000">
-                <a:alpha val="35000"/>
-              </a:srgbClr>
-            </a:outerShdw>
-          </a:effectLst>
-          <a:scene3d>
-            <a:camera prst="orthographicFront">
-              <a:rot lat="0" lon="0" rev="0"/>
-            </a:camera>
-            <a:lightRig rig="threePt" dir="t">
-              <a:rot lat="0" lon="0" rev="1200000"/>
-            </a:lightRig>
-          </a:scene3d>
-          <a:sp3d>
-            <a:bevelT w="63500" h="25400"/>
-          </a:sp3d>
-        </a:effectStyle>
-      </a:effectStyleLst>
-      <a:bgFillStyleLst>
-        <a:solidFill>
-          <a:schemeClr val="phClr"/>
-        </a:solidFill>
-        <a:gradFill rotWithShape="1">
-          <a:gsLst>
-            <a:gs pos="0">
-              <a:schemeClr val="phClr">
-                <a:tint val="40000"/>
-                <a:satMod val="350000"/>
-              </a:schemeClr>
-            </a:gs>
-            <a:gs pos="40000">
-              <a:schemeClr val="phClr">
-                <a:tint val="45000"/>
-                <a:shade val="99000"/>
-                <a:satMod val="350000"/>
-              </a:schemeClr>
-            </a:gs>
-            <a:gs pos="100000">
-              <a:schemeClr val="phClr">
-                <a:shade val="20000"/>
-                <a:satMod val="255000"/>
-              </a:schemeClr>
-            </a:gs>
-          </a:gsLst>
-          <a:path path="circle">
-            <a:fillToRect l="50000" t="-80000" r="50000" b="180000"/>
-          </a:path>
-        </a:gradFill>
-        <a:gradFill rotWithShape="1">
-          <a:gsLst>
-            <a:gs pos="0">
-              <a:schemeClr val="phClr">
-                <a:tint val="80000"/>
-                <a:satMod val="300000"/>
-              </a:schemeClr>
-            </a:gs>
-            <a:gs pos="100000">
-              <a:schemeClr val="phClr">
-                <a:shade val="30000"/>
-                <a:satMod val="200000"/>
-              </a:schemeClr>
-            </a:gs>
-          </a:gsLst>
-          <a:path path="circle">
-            <a:fillToRect l="50000" t="50000" r="50000" b="50000"/>
-          </a:path>
-        </a:gradFill>
-      </a:bgFillStyleLst>
-    </a:fmtScheme>
-  </a:themeElements>
-</a:theme>
 </file>